--- a/FuzzWindowsKernelViaJavascript/JSkernelFuzzer.pptx
+++ b/FuzzWindowsKernelViaJavascript/JSkernelFuzzer.pptx
@@ -10171,8 +10171,8 @@
         </p:blipFill>
         <p:spPr>
           <a:xfrm>
-            <a:off x="24313" y="3956217"/>
-            <a:ext cx="6468944" cy="4588347"/>
+            <a:off x="-2232248" y="3594214"/>
+            <a:ext cx="4932040" cy="3263786"/>
           </a:xfrm>
           <a:prstGeom prst="rect">
             <a:avLst/>
@@ -10201,7 +10201,7 @@
         </p:blipFill>
         <p:spPr>
           <a:xfrm>
-            <a:off x="2699793" y="4093408"/>
+            <a:off x="3203848" y="3501008"/>
             <a:ext cx="6120680" cy="4601217"/>
           </a:xfrm>
           <a:prstGeom prst="rect">
@@ -10383,7 +10383,7 @@
             <a:pPr algn="ctr"/>
             <a:r>
               <a:rPr lang="en-US" altLang="zh-CN" dirty="0"/>
-              <a:t>Sorry for my pool </a:t>
+              <a:t>Sorry for my poor </a:t>
             </a:r>
             <a:r>
               <a:rPr lang="en-US" altLang="zh-CN" dirty="0" err="1"/>
